--- a/class 5/Word Processing:13-17/word 1/2. Presentation/1.pptx
+++ b/class 5/Word Processing:13-17/word 1/2. Presentation/1.pptx
@@ -5,16 +5,15 @@
     <p:sldMasterId id="2147483648" r:id="rId1"/>
   </p:sldMasterIdLst>
   <p:notesMasterIdLst>
-    <p:notesMasterId r:id="rId10"/>
+    <p:notesMasterId r:id="rId9"/>
   </p:notesMasterIdLst>
   <p:sldIdLst>
     <p:sldId id="256" r:id="rId3"/>
     <p:sldId id="288" r:id="rId4"/>
-    <p:sldId id="292" r:id="rId5"/>
-    <p:sldId id="296" r:id="rId6"/>
-    <p:sldId id="294" r:id="rId7"/>
-    <p:sldId id="293" r:id="rId8"/>
-    <p:sldId id="297" r:id="rId9"/>
+    <p:sldId id="302" r:id="rId5"/>
+    <p:sldId id="300" r:id="rId6"/>
+    <p:sldId id="303" r:id="rId7"/>
+    <p:sldId id="304" r:id="rId8"/>
   </p:sldIdLst>
   <p:sldSz cx="12192000" cy="6858000"/>
   <p:notesSz cx="7103745" cy="10234295"/>
@@ -3426,9 +3425,9 @@
                 <a:latin typeface="Tibetan Machine Uni" panose="01000503020000020002" charset="0"/>
                 <a:cs typeface="Tibetan Machine Uni" panose="01000503020000020002" charset="0"/>
               </a:rPr>
-              <a:t>Computer</a:t>
-            </a:r>
-            <a:endParaRPr lang="" altLang="en-US" sz="7200" b="1">
+              <a:t>Word</a:t>
+            </a:r>
+            <a:endParaRPr lang="en-US" altLang="en-US" sz="7200" b="1">
               <a:solidFill>
                 <a:srgbClr val="7030A0"/>
               </a:solidFill>
@@ -3462,7 +3461,7 @@
                 <a:latin typeface="Tibetan Machine Uni" panose="01000503020000020002" charset="0"/>
                 <a:cs typeface="Tibetan Machine Uni" panose="01000503020000020002" charset="0"/>
               </a:rPr>
-              <a:t>Hardware</a:t>
+              <a:t>Processing</a:t>
             </a:r>
             <a:endParaRPr lang="" altLang="en-US" sz="7200" b="1">
               <a:solidFill>
@@ -3599,9 +3598,26 @@
                 <a:latin typeface="Purisa" panose="02000603000000000000" charset="0"/>
                 <a:cs typeface="Purisa" panose="02000603000000000000" charset="0"/>
               </a:rPr>
-              <a:t> lab 1</a:t>
-            </a:r>
-            <a:endParaRPr lang="en-US" altLang="en-US" sz="4800" b="1">
+              <a:t> lab </a:t>
+            </a:r>
+            <a:r>
+              <a:rPr lang="" altLang="en-US" sz="4800" b="1">
+                <a:solidFill>
+                  <a:schemeClr val="tx1"/>
+                </a:solidFill>
+                <a:effectLst>
+                  <a:outerShdw blurRad="38100" dist="19050" dir="2700000" algn="tl" rotWithShape="0">
+                    <a:schemeClr val="dk1">
+                      <a:alpha val="40000"/>
+                    </a:schemeClr>
+                  </a:outerShdw>
+                </a:effectLst>
+                <a:latin typeface="Purisa" panose="02000603000000000000" charset="0"/>
+                <a:cs typeface="Purisa" panose="02000603000000000000" charset="0"/>
+              </a:rPr>
+              <a:t>13</a:t>
+            </a:r>
+            <a:endParaRPr lang="" altLang="en-US" sz="4800" b="1">
               <a:solidFill>
                 <a:schemeClr val="tx1"/>
               </a:solidFill>
@@ -3620,22 +3636,37 @@
       </p:sp>
       <p:pic>
         <p:nvPicPr>
-          <p:cNvPr id="2" name="Picture 1"/>
+          <p:cNvPr id="3" name="Picture 2"/>
           <p:cNvPicPr>
             <a:picLocks noChangeAspect="1"/>
           </p:cNvPicPr>
           <p:nvPr/>
         </p:nvPicPr>
         <p:blipFill>
-          <a:blip r:embed="rId4"/>
+          <a:blip r:embed="rId4">
+            <a:clrChange>
+              <a:clrFrom>
+                <a:srgbClr val="FFFFFF">
+                  <a:alpha val="100000"/>
+                </a:srgbClr>
+              </a:clrFrom>
+              <a:clrTo>
+                <a:srgbClr val="FFFFFF">
+                  <a:alpha val="100000"/>
+                  <a:alpha val="0"/>
+                </a:srgbClr>
+              </a:clrTo>
+            </a:clrChange>
+            <a:lum bright="-6000"/>
+          </a:blip>
           <a:stretch>
             <a:fillRect/>
           </a:stretch>
         </p:blipFill>
         <p:spPr>
           <a:xfrm>
-            <a:off x="9261475" y="311150"/>
-            <a:ext cx="2600325" cy="1682115"/>
+            <a:off x="8553450" y="336550"/>
+            <a:ext cx="3328035" cy="2496185"/>
           </a:xfrm>
           <a:prstGeom prst="rect">
             <a:avLst/>
@@ -3718,9 +3749,64 @@
           </a:prstGeom>
         </p:spPr>
       </p:pic>
+      <p:sp>
+        <p:nvSpPr>
+          <p:cNvPr id="100" name="Text Box 99"/>
+          <p:cNvSpPr txBox="1"/>
+          <p:nvPr/>
+        </p:nvSpPr>
+        <p:spPr>
+          <a:xfrm>
+            <a:off x="1860550" y="353695"/>
+            <a:ext cx="10375265" cy="922020"/>
+          </a:xfrm>
+          <a:prstGeom prst="rect">
+            <a:avLst/>
+          </a:prstGeom>
+          <a:noFill/>
+          <a:ln w="9525">
+            <a:noFill/>
+          </a:ln>
+        </p:spPr>
+        <p:txBody>
+          <a:bodyPr wrap="square">
+            <a:spAutoFit/>
+          </a:bodyPr>
+          <a:p>
+            <a:pPr indent="0"/>
+            <a:r>
+              <a:rPr lang="" altLang="en-US" sz="5400" b="1">
+                <a:solidFill>
+                  <a:srgbClr val="E29038"/>
+                </a:solidFill>
+                <a:latin typeface="Calibri" charset="0"/>
+                <a:cs typeface="SimSun" charset="0"/>
+              </a:rPr>
+              <a:t>MS </a:t>
+            </a:r>
+            <a:r>
+              <a:rPr lang="" altLang="en-US" sz="5400" b="1">
+                <a:solidFill>
+                  <a:srgbClr val="00B050"/>
+                </a:solidFill>
+                <a:latin typeface="Calibri" charset="0"/>
+                <a:cs typeface="SimSun" charset="0"/>
+              </a:rPr>
+              <a:t>Word</a:t>
+            </a:r>
+            <a:endParaRPr lang="" altLang="en-US" sz="5400" b="1">
+              <a:solidFill>
+                <a:srgbClr val="00B050"/>
+              </a:solidFill>
+              <a:latin typeface="Calibri" charset="0"/>
+              <a:cs typeface="SimSun" charset="0"/>
+            </a:endParaRPr>
+          </a:p>
+        </p:txBody>
+      </p:sp>
       <p:pic>
         <p:nvPicPr>
-          <p:cNvPr id="3" name="Picture 2"/>
+          <p:cNvPr id="7" name="Picture 6"/>
           <p:cNvPicPr>
             <a:picLocks noChangeAspect="1"/>
           </p:cNvPicPr>
@@ -3734,72 +3820,17 @@
         </p:blipFill>
         <p:spPr>
           <a:xfrm>
-            <a:off x="331470" y="381635"/>
-            <a:ext cx="1427480" cy="923925"/>
+            <a:off x="259080" y="287020"/>
+            <a:ext cx="988695" cy="988695"/>
           </a:xfrm>
           <a:prstGeom prst="rect">
             <a:avLst/>
           </a:prstGeom>
         </p:spPr>
       </p:pic>
-      <p:sp>
-        <p:nvSpPr>
-          <p:cNvPr id="100" name="Text Box 99"/>
-          <p:cNvSpPr txBox="1"/>
-          <p:nvPr/>
-        </p:nvSpPr>
-        <p:spPr>
-          <a:xfrm>
-            <a:off x="1860550" y="353695"/>
-            <a:ext cx="10375265" cy="922020"/>
-          </a:xfrm>
-          <a:prstGeom prst="rect">
-            <a:avLst/>
-          </a:prstGeom>
-          <a:noFill/>
-          <a:ln w="9525">
-            <a:noFill/>
-          </a:ln>
-        </p:spPr>
-        <p:txBody>
-          <a:bodyPr wrap="square">
-            <a:spAutoFit/>
-          </a:bodyPr>
-          <a:p>
-            <a:pPr marL="0" indent="0"/>
-            <a:r>
-              <a:rPr lang="en-US" sz="5400" b="1">
-                <a:solidFill>
-                  <a:srgbClr val="E29038"/>
-                </a:solidFill>
-                <a:latin typeface="Calibri" charset="0"/>
-                <a:cs typeface="SimSun" charset="0"/>
-              </a:rPr>
-              <a:t>Computer </a:t>
-            </a:r>
-            <a:r>
-              <a:rPr lang="" altLang="en-US" sz="5400" b="1">
-                <a:solidFill>
-                  <a:srgbClr val="00B050"/>
-                </a:solidFill>
-                <a:latin typeface="Calibri" charset="0"/>
-                <a:cs typeface="SimSun" charset="0"/>
-              </a:rPr>
-              <a:t>System</a:t>
-            </a:r>
-            <a:endParaRPr lang="" altLang="en-US" sz="5400" b="1">
-              <a:solidFill>
-                <a:srgbClr val="00B050"/>
-              </a:solidFill>
-              <a:latin typeface="Calibri" charset="0"/>
-              <a:cs typeface="SimSun" charset="0"/>
-            </a:endParaRPr>
-          </a:p>
-        </p:txBody>
-      </p:sp>
       <p:pic>
         <p:nvPicPr>
-          <p:cNvPr id="4" name="Picture 2" descr="IMG_256"/>
+          <p:cNvPr id="9" name="Picture 8"/>
           <p:cNvPicPr>
             <a:picLocks noChangeAspect="1"/>
           </p:cNvPicPr>
@@ -3809,26 +3840,52 @@
           <a:blip r:embed="rId5">
             <a:clrChange>
               <a:clrFrom>
-                <a:srgbClr val="FFFFFF">
+                <a:srgbClr val="EA741D">
                   <a:alpha val="100000"/>
                 </a:srgbClr>
               </a:clrFrom>
               <a:clrTo>
-                <a:srgbClr val="FFFFFF">
+                <a:srgbClr val="EA741D">
                   <a:alpha val="100000"/>
                   <a:alpha val="0"/>
                 </a:srgbClr>
               </a:clrTo>
             </a:clrChange>
+            <a:lum bright="-6000"/>
           </a:blip>
+          <a:srcRect l="31038" r="29164"/>
           <a:stretch>
             <a:fillRect/>
           </a:stretch>
         </p:blipFill>
         <p:spPr>
           <a:xfrm>
-            <a:off x="2613660" y="1635125"/>
-            <a:ext cx="6221095" cy="4606290"/>
+            <a:off x="1361440" y="1552575"/>
+            <a:ext cx="3587750" cy="4509135"/>
+          </a:xfrm>
+          <a:prstGeom prst="rect">
+            <a:avLst/>
+          </a:prstGeom>
+        </p:spPr>
+      </p:pic>
+      <p:pic>
+        <p:nvPicPr>
+          <p:cNvPr id="11" name="Picture 1" descr="IMG_256"/>
+          <p:cNvPicPr>
+            <a:picLocks noChangeAspect="1"/>
+          </p:cNvPicPr>
+          <p:nvPr/>
+        </p:nvPicPr>
+        <p:blipFill>
+          <a:blip r:embed="rId6"/>
+          <a:stretch>
+            <a:fillRect/>
+          </a:stretch>
+        </p:blipFill>
+        <p:spPr>
+          <a:xfrm>
+            <a:off x="3185160" y="2676525"/>
+            <a:ext cx="279400" cy="279400"/>
           </a:xfrm>
           <a:prstGeom prst="rect">
             <a:avLst/>
@@ -3839,6 +3896,73 @@
           </a:ln>
         </p:spPr>
       </p:pic>
+      <p:pic>
+        <p:nvPicPr>
+          <p:cNvPr id="12" name="Picture 1" descr="IMG_256"/>
+          <p:cNvPicPr>
+            <a:picLocks noChangeAspect="1"/>
+          </p:cNvPicPr>
+          <p:nvPr/>
+        </p:nvPicPr>
+        <p:blipFill>
+          <a:blip r:embed="rId6"/>
+          <a:stretch>
+            <a:fillRect/>
+          </a:stretch>
+        </p:blipFill>
+        <p:spPr>
+          <a:xfrm>
+            <a:off x="2689860" y="2676525"/>
+            <a:ext cx="279400" cy="279400"/>
+          </a:xfrm>
+          <a:prstGeom prst="rect">
+            <a:avLst/>
+          </a:prstGeom>
+          <a:noFill/>
+          <a:ln w="9525">
+            <a:noFill/>
+          </a:ln>
+        </p:spPr>
+      </p:pic>
+      <p:sp>
+        <p:nvSpPr>
+          <p:cNvPr id="13" name="Text Box 12"/>
+          <p:cNvSpPr txBox="1"/>
+          <p:nvPr/>
+        </p:nvSpPr>
+        <p:spPr>
+          <a:xfrm>
+            <a:off x="6045200" y="3345815"/>
+            <a:ext cx="5080000" cy="1198880"/>
+          </a:xfrm>
+          <a:prstGeom prst="rect">
+            <a:avLst/>
+          </a:prstGeom>
+          <a:noFill/>
+          <a:ln w="9525">
+            <a:noFill/>
+          </a:ln>
+        </p:spPr>
+        <p:txBody>
+          <a:bodyPr>
+            <a:spAutoFit/>
+          </a:bodyPr>
+          <a:p>
+            <a:pPr marL="0" indent="0" algn="ctr"/>
+            <a:r>
+              <a:rPr lang="en-US" sz="2400" b="0">
+                <a:latin typeface="Calibri" charset="0"/>
+                <a:cs typeface="SimSun" charset="0"/>
+              </a:rPr>
+              <a:t>Microsoft Office Word allows you to create and edit personal and business documents</a:t>
+            </a:r>
+            <a:endParaRPr lang="en-US" sz="2400" b="0">
+              <a:latin typeface="Calibri" charset="0"/>
+              <a:cs typeface="SimSun" charset="0"/>
+            </a:endParaRPr>
+          </a:p>
+        </p:txBody>
+      </p:sp>
     </p:spTree>
   </p:cSld>
   <p:clrMapOvr>
@@ -3914,9 +4038,84 @@
           </a:prstGeom>
         </p:spPr>
       </p:pic>
+      <p:sp>
+        <p:nvSpPr>
+          <p:cNvPr id="100" name="Text Box 99"/>
+          <p:cNvSpPr txBox="1"/>
+          <p:nvPr/>
+        </p:nvSpPr>
+        <p:spPr>
+          <a:xfrm>
+            <a:off x="1860550" y="353695"/>
+            <a:ext cx="10375265" cy="922020"/>
+          </a:xfrm>
+          <a:prstGeom prst="rect">
+            <a:avLst/>
+          </a:prstGeom>
+          <a:noFill/>
+          <a:ln w="9525">
+            <a:noFill/>
+          </a:ln>
+        </p:spPr>
+        <p:txBody>
+          <a:bodyPr wrap="square">
+            <a:spAutoFit/>
+          </a:bodyPr>
+          <a:p>
+            <a:pPr indent="0"/>
+            <a:r>
+              <a:rPr lang="en-US" altLang="en-US" sz="5400" b="1">
+                <a:solidFill>
+                  <a:srgbClr val="00B050"/>
+                </a:solidFill>
+                <a:latin typeface="Calibri" charset="0"/>
+                <a:cs typeface="SimSun" charset="0"/>
+              </a:rPr>
+              <a:t> </a:t>
+            </a:r>
+            <a:r>
+              <a:rPr lang="" altLang="en-US" sz="5400" b="1">
+                <a:solidFill>
+                  <a:srgbClr val="002060"/>
+                </a:solidFill>
+                <a:latin typeface="Calibri" charset="0"/>
+                <a:cs typeface="SimSun" charset="0"/>
+              </a:rPr>
+              <a:t>For </a:t>
+            </a:r>
+            <a:r>
+              <a:rPr lang="en-US" altLang="en-US" sz="5400" b="1">
+                <a:solidFill>
+                  <a:srgbClr val="E29038"/>
+                </a:solidFill>
+                <a:latin typeface="Calibri" charset="0"/>
+                <a:cs typeface="SimSun" charset="0"/>
+              </a:rPr>
+              <a:t>Making </a:t>
+            </a:r>
+            <a:r>
+              <a:rPr lang="en-US" altLang="en-US" sz="5400" b="1">
+                <a:solidFill>
+                  <a:srgbClr val="00B050"/>
+                </a:solidFill>
+                <a:latin typeface="Calibri" charset="0"/>
+                <a:cs typeface="SimSun" charset="0"/>
+              </a:rPr>
+              <a:t>Report</a:t>
+            </a:r>
+            <a:endParaRPr lang="en-US" altLang="en-US" sz="5400" b="1">
+              <a:solidFill>
+                <a:srgbClr val="00B050"/>
+              </a:solidFill>
+              <a:latin typeface="Calibri" charset="0"/>
+              <a:cs typeface="SimSun" charset="0"/>
+            </a:endParaRPr>
+          </a:p>
+        </p:txBody>
+      </p:sp>
       <p:pic>
         <p:nvPicPr>
-          <p:cNvPr id="3" name="Picture 2"/>
+          <p:cNvPr id="7" name="Picture 6"/>
           <p:cNvPicPr>
             <a:picLocks noChangeAspect="1"/>
           </p:cNvPicPr>
@@ -3930,153 +4129,17 @@
         </p:blipFill>
         <p:spPr>
           <a:xfrm>
-            <a:off x="331470" y="381635"/>
-            <a:ext cx="1427480" cy="923925"/>
+            <a:off x="259080" y="287020"/>
+            <a:ext cx="988695" cy="988695"/>
           </a:xfrm>
           <a:prstGeom prst="rect">
             <a:avLst/>
           </a:prstGeom>
         </p:spPr>
       </p:pic>
-      <p:sp>
-        <p:nvSpPr>
-          <p:cNvPr id="100" name="Text Box 99"/>
-          <p:cNvSpPr txBox="1"/>
-          <p:nvPr/>
-        </p:nvSpPr>
-        <p:spPr>
-          <a:xfrm>
-            <a:off x="1860550" y="353695"/>
-            <a:ext cx="10375265" cy="922020"/>
-          </a:xfrm>
-          <a:prstGeom prst="rect">
-            <a:avLst/>
-          </a:prstGeom>
-          <a:noFill/>
-          <a:ln w="9525">
-            <a:noFill/>
-          </a:ln>
-        </p:spPr>
-        <p:txBody>
-          <a:bodyPr wrap="square">
-            <a:spAutoFit/>
-          </a:bodyPr>
-          <a:p>
-            <a:pPr indent="0"/>
-            <a:r>
-              <a:rPr lang="en-US" sz="5400" b="1">
-                <a:solidFill>
-                  <a:srgbClr val="E29038"/>
-                </a:solidFill>
-                <a:latin typeface="Calibri" charset="0"/>
-                <a:cs typeface="SimSun" charset="0"/>
-              </a:rPr>
-              <a:t>Computer </a:t>
-            </a:r>
-            <a:r>
-              <a:rPr lang="en-US" altLang="en-US" sz="5400" b="1">
-                <a:solidFill>
-                  <a:srgbClr val="00B050"/>
-                </a:solidFill>
-                <a:latin typeface="Calibri" charset="0"/>
-                <a:cs typeface="SimSun" charset="0"/>
-              </a:rPr>
-              <a:t>Processor</a:t>
-            </a:r>
-            <a:endParaRPr lang="en-US" altLang="en-US" sz="5400" b="1">
-              <a:solidFill>
-                <a:srgbClr val="00B050"/>
-              </a:solidFill>
-              <a:latin typeface="Calibri" charset="0"/>
-              <a:cs typeface="SimSun" charset="0"/>
-            </a:endParaRPr>
-          </a:p>
-        </p:txBody>
-      </p:sp>
-      <p:sp>
-        <p:nvSpPr>
-          <p:cNvPr id="2" name="Text Box 1"/>
-          <p:cNvSpPr txBox="1"/>
-          <p:nvPr/>
-        </p:nvSpPr>
-        <p:spPr>
-          <a:xfrm>
-            <a:off x="459740" y="2451100"/>
-            <a:ext cx="5036185" cy="1383665"/>
-          </a:xfrm>
-          <a:prstGeom prst="rect">
-            <a:avLst/>
-          </a:prstGeom>
-          <a:noFill/>
-          <a:ln w="9525">
-            <a:noFill/>
-          </a:ln>
-        </p:spPr>
-        <p:txBody>
-          <a:bodyPr wrap="square">
-            <a:spAutoFit/>
-          </a:bodyPr>
-          <a:p>
-            <a:pPr marL="0" indent="0"/>
-            <a:r>
-              <a:rPr lang="en-US" sz="2800" b="0">
-                <a:latin typeface="Calibri" charset="0"/>
-                <a:cs typeface="SimSun" charset="0"/>
-              </a:rPr>
-              <a:t>a small chip </a:t>
-            </a:r>
-            <a:r>
-              <a:rPr lang="" altLang="en-US" sz="2800" b="0">
-                <a:latin typeface="Calibri" charset="0"/>
-                <a:cs typeface="SimSun" charset="0"/>
-              </a:rPr>
-              <a:t>that </a:t>
-            </a:r>
-            <a:r>
-              <a:rPr lang="en-US" sz="2800" b="0">
-                <a:latin typeface="Calibri" charset="0"/>
-                <a:cs typeface="SimSun" charset="0"/>
-              </a:rPr>
-              <a:t>receive</a:t>
-            </a:r>
-            <a:r>
-              <a:rPr lang="" altLang="en-US" sz="2800" b="0">
-                <a:latin typeface="Calibri" charset="0"/>
-                <a:cs typeface="SimSun" charset="0"/>
-              </a:rPr>
-              <a:t>s</a:t>
-            </a:r>
-            <a:r>
-              <a:rPr lang="en-US" sz="2800" b="0">
-                <a:latin typeface="Calibri" charset="0"/>
-                <a:cs typeface="SimSun" charset="0"/>
-              </a:rPr>
-              <a:t> input and provide</a:t>
-            </a:r>
-            <a:r>
-              <a:rPr lang="" altLang="en-US" sz="2800" b="0">
-                <a:latin typeface="Calibri" charset="0"/>
-                <a:cs typeface="SimSun" charset="0"/>
-              </a:rPr>
-              <a:t>s</a:t>
-            </a:r>
-            <a:r>
-              <a:rPr lang="en-US" sz="2800" b="0">
-                <a:latin typeface="Calibri" charset="0"/>
-                <a:cs typeface="SimSun" charset="0"/>
-              </a:rPr>
-              <a:t> the appropriate output</a:t>
-            </a:r>
-            <a:endParaRPr lang="en-US" sz="2800" b="0">
-              <a:latin typeface="Calibri" charset="0"/>
-              <a:cs typeface="SimSun" charset="0"/>
-            </a:endParaRPr>
-          </a:p>
-        </p:txBody>
-      </p:sp>
       <p:pic>
         <p:nvPicPr>
-          <p:cNvPr id="7" name="Picture 5" descr="IMG_256"/>
+          <p:cNvPr id="4" name="Picture 2" descr="IMG_256"/>
           <p:cNvPicPr>
             <a:picLocks noChangeAspect="1"/>
           </p:cNvPicPr>
@@ -4097,15 +4160,17 @@
                 </a:srgbClr>
               </a:clrTo>
             </a:clrChange>
+            <a:lum bright="-6000"/>
           </a:blip>
+          <a:srcRect l="1603"/>
           <a:stretch>
             <a:fillRect/>
           </a:stretch>
         </p:blipFill>
         <p:spPr>
           <a:xfrm>
-            <a:off x="5821045" y="1955165"/>
-            <a:ext cx="4387850" cy="3426460"/>
+            <a:off x="3528060" y="1737360"/>
+            <a:ext cx="7251065" cy="3715385"/>
           </a:xfrm>
           <a:prstGeom prst="rect">
             <a:avLst/>
@@ -4116,6 +4181,35 @@
           </a:ln>
         </p:spPr>
       </p:pic>
+      <p:sp>
+        <p:nvSpPr>
+          <p:cNvPr id="2" name="Text Box 1"/>
+          <p:cNvSpPr txBox="1"/>
+          <p:nvPr/>
+        </p:nvSpPr>
+        <p:spPr>
+          <a:xfrm>
+            <a:off x="526415" y="2995295"/>
+            <a:ext cx="2857500" cy="1198880"/>
+          </a:xfrm>
+          <a:prstGeom prst="rect">
+            <a:avLst/>
+          </a:prstGeom>
+          <a:noFill/>
+        </p:spPr>
+        <p:txBody>
+          <a:bodyPr wrap="square" rtlCol="0">
+            <a:spAutoFit/>
+          </a:bodyPr>
+          <a:p>
+            <a:r>
+              <a:rPr lang="" altLang="en-US" sz="2400"/>
+              <a:t>word is used to make business report</a:t>
+            </a:r>
+            <a:endParaRPr lang="" altLang="en-US" sz="2400"/>
+          </a:p>
+        </p:txBody>
+      </p:sp>
     </p:spTree>
   </p:cSld>
   <p:clrMapOvr>
@@ -4191,9 +4285,84 @@
           </a:prstGeom>
         </p:spPr>
       </p:pic>
+      <p:sp>
+        <p:nvSpPr>
+          <p:cNvPr id="100" name="Text Box 99"/>
+          <p:cNvSpPr txBox="1"/>
+          <p:nvPr/>
+        </p:nvSpPr>
+        <p:spPr>
+          <a:xfrm>
+            <a:off x="1860550" y="353695"/>
+            <a:ext cx="10375265" cy="922020"/>
+          </a:xfrm>
+          <a:prstGeom prst="rect">
+            <a:avLst/>
+          </a:prstGeom>
+          <a:noFill/>
+          <a:ln w="9525">
+            <a:noFill/>
+          </a:ln>
+        </p:spPr>
+        <p:txBody>
+          <a:bodyPr wrap="square">
+            <a:spAutoFit/>
+          </a:bodyPr>
+          <a:p>
+            <a:pPr indent="0"/>
+            <a:r>
+              <a:rPr lang="" altLang="en-US" sz="5400" b="1">
+                <a:solidFill>
+                  <a:srgbClr val="00B050"/>
+                </a:solidFill>
+                <a:latin typeface="Calibri" charset="0"/>
+                <a:cs typeface="SimSun" charset="0"/>
+              </a:rPr>
+              <a:t> </a:t>
+            </a:r>
+            <a:r>
+              <a:rPr lang="" altLang="en-US" sz="5400" b="1">
+                <a:solidFill>
+                  <a:srgbClr val="002060"/>
+                </a:solidFill>
+                <a:latin typeface="Calibri" charset="0"/>
+                <a:cs typeface="SimSun" charset="0"/>
+              </a:rPr>
+              <a:t>For </a:t>
+            </a:r>
+            <a:r>
+              <a:rPr lang="" altLang="en-US" sz="5400" b="1">
+                <a:solidFill>
+                  <a:srgbClr val="E29038"/>
+                </a:solidFill>
+                <a:latin typeface="Calibri" charset="0"/>
+                <a:cs typeface="SimSun" charset="0"/>
+              </a:rPr>
+              <a:t>Making </a:t>
+            </a:r>
+            <a:r>
+              <a:rPr lang="" altLang="en-US" sz="5400" b="1">
+                <a:solidFill>
+                  <a:srgbClr val="00B050"/>
+                </a:solidFill>
+                <a:latin typeface="Calibri" charset="0"/>
+                <a:cs typeface="SimSun" charset="0"/>
+              </a:rPr>
+              <a:t>Resume</a:t>
+            </a:r>
+            <a:endParaRPr lang="" altLang="en-US" sz="5400" b="1">
+              <a:solidFill>
+                <a:srgbClr val="00B050"/>
+              </a:solidFill>
+              <a:latin typeface="Calibri" charset="0"/>
+              <a:cs typeface="SimSun" charset="0"/>
+            </a:endParaRPr>
+          </a:p>
+        </p:txBody>
+      </p:sp>
       <p:pic>
         <p:nvPicPr>
-          <p:cNvPr id="3" name="Picture 2"/>
+          <p:cNvPr id="7" name="Picture 6"/>
           <p:cNvPicPr>
             <a:picLocks noChangeAspect="1"/>
           </p:cNvPicPr>
@@ -4207,155 +4376,68 @@
         </p:blipFill>
         <p:spPr>
           <a:xfrm>
-            <a:off x="331470" y="381635"/>
-            <a:ext cx="1427480" cy="923925"/>
+            <a:off x="259080" y="287020"/>
+            <a:ext cx="988695" cy="988695"/>
           </a:xfrm>
           <a:prstGeom prst="rect">
             <a:avLst/>
           </a:prstGeom>
         </p:spPr>
       </p:pic>
-      <p:sp>
-        <p:nvSpPr>
-          <p:cNvPr id="100" name="Text Box 99"/>
-          <p:cNvSpPr txBox="1"/>
-          <p:nvPr/>
-        </p:nvSpPr>
-        <p:spPr>
-          <a:xfrm>
-            <a:off x="1860550" y="353695"/>
-            <a:ext cx="10375265" cy="922020"/>
-          </a:xfrm>
-          <a:prstGeom prst="rect">
-            <a:avLst/>
-          </a:prstGeom>
-          <a:noFill/>
-          <a:ln w="9525">
-            <a:noFill/>
-          </a:ln>
-        </p:spPr>
-        <p:txBody>
-          <a:bodyPr wrap="square">
-            <a:spAutoFit/>
-          </a:bodyPr>
-          <a:p>
-            <a:pPr indent="0"/>
-            <a:r>
-              <a:rPr lang="en-US" sz="5400" b="1">
-                <a:solidFill>
-                  <a:srgbClr val="E29038"/>
-                </a:solidFill>
-                <a:latin typeface="Calibri" charset="0"/>
-                <a:cs typeface="SimSun" charset="0"/>
-              </a:rPr>
-              <a:t>Computer </a:t>
-            </a:r>
-            <a:r>
-              <a:rPr lang="en-US" altLang="en-US" sz="5400" b="1">
-                <a:solidFill>
-                  <a:srgbClr val="00B050"/>
-                </a:solidFill>
-                <a:latin typeface="Calibri" charset="0"/>
-                <a:cs typeface="SimSun" charset="0"/>
-              </a:rPr>
-              <a:t>Architecture</a:t>
-            </a:r>
-            <a:endParaRPr lang="en-US" altLang="en-US" sz="5400" b="1">
-              <a:solidFill>
-                <a:srgbClr val="00B050"/>
-              </a:solidFill>
-              <a:latin typeface="Calibri" charset="0"/>
-              <a:cs typeface="SimSun" charset="0"/>
-            </a:endParaRPr>
-          </a:p>
-        </p:txBody>
-      </p:sp>
       <p:pic>
         <p:nvPicPr>
-          <p:cNvPr id="9" name="Picture 2" descr="IMG_256"/>
+          <p:cNvPr id="2" name="Picture 9" descr="1"/>
           <p:cNvPicPr>
             <a:picLocks noChangeAspect="1"/>
           </p:cNvPicPr>
           <p:nvPr/>
         </p:nvPicPr>
         <p:blipFill>
-          <a:blip r:embed="rId5">
-            <a:clrChange>
-              <a:clrFrom>
-                <a:srgbClr val="FFFFFF">
-                  <a:alpha val="100000"/>
-                </a:srgbClr>
-              </a:clrFrom>
-              <a:clrTo>
-                <a:srgbClr val="FFFFFF">
-                  <a:alpha val="100000"/>
-                  <a:alpha val="0"/>
-                </a:srgbClr>
-              </a:clrTo>
-            </a:clrChange>
-            <a:lum bright="-6000"/>
-          </a:blip>
+          <a:blip r:embed="rId5"/>
           <a:stretch>
             <a:fillRect/>
           </a:stretch>
         </p:blipFill>
         <p:spPr>
           <a:xfrm>
-            <a:off x="4330700" y="1398905"/>
-            <a:ext cx="6965950" cy="4879340"/>
+            <a:off x="3769995" y="1749425"/>
+            <a:ext cx="3328670" cy="4312285"/>
+          </a:xfrm>
+          <a:prstGeom prst="rect">
+            <a:avLst/>
+          </a:prstGeom>
+        </p:spPr>
+      </p:pic>
+      <p:sp>
+        <p:nvSpPr>
+          <p:cNvPr id="3" name="Text Box 2"/>
+          <p:cNvSpPr txBox="1"/>
+          <p:nvPr/>
+        </p:nvSpPr>
+        <p:spPr>
+          <a:xfrm>
+            <a:off x="526415" y="2995295"/>
+            <a:ext cx="2857500" cy="829945"/>
           </a:xfrm>
           <a:prstGeom prst="rect">
             <a:avLst/>
           </a:prstGeom>
           <a:noFill/>
-          <a:ln w="9525">
-            <a:noFill/>
-          </a:ln>
-        </p:spPr>
-      </p:pic>
-      <p:sp>
-        <p:nvSpPr>
-          <p:cNvPr id="2" name="Text Box 1"/>
-          <p:cNvSpPr txBox="1"/>
-          <p:nvPr/>
-        </p:nvSpPr>
-        <p:spPr>
-          <a:xfrm>
-            <a:off x="582930" y="2748280"/>
-            <a:ext cx="3362960" cy="1938020"/>
-          </a:xfrm>
-          <a:prstGeom prst="rect">
-            <a:avLst/>
-          </a:prstGeom>
-          <a:noFill/>
-          <a:ln w="9525">
-            <a:noFill/>
-          </a:ln>
-        </p:spPr>
-        <p:txBody>
-          <a:bodyPr wrap="square">
+        </p:spPr>
+        <p:txBody>
+          <a:bodyPr wrap="square" rtlCol="0">
             <a:spAutoFit/>
           </a:bodyPr>
           <a:p>
-            <a:pPr marL="0" indent="0"/>
-            <a:r>
-              <a:rPr lang="en-US" altLang="en-US" sz="2400" b="0">
-                <a:latin typeface="Calibri" charset="0"/>
-                <a:cs typeface="SimSun" charset="0"/>
-              </a:rPr>
-              <a:t>It </a:t>
-            </a:r>
-            <a:r>
-              <a:rPr lang="en-US" sz="2400" b="0">
-                <a:latin typeface="Calibri" charset="0"/>
-                <a:cs typeface="SimSun" charset="0"/>
-              </a:rPr>
-              <a:t>refers to how a computer system is designed and what technologies it is compatible with</a:t>
-            </a:r>
-            <a:endParaRPr lang="en-US" sz="2400" b="0">
-              <a:latin typeface="Calibri" charset="0"/>
-              <a:cs typeface="SimSun" charset="0"/>
-            </a:endParaRPr>
+            <a:r>
+              <a:rPr lang="en-US" altLang="en-US" sz="2400"/>
+              <a:t>word is used to make </a:t>
+            </a:r>
+            <a:r>
+              <a:rPr lang="" altLang="en-US" sz="2400"/>
+              <a:t>resume</a:t>
+            </a:r>
+            <a:endParaRPr lang="" altLang="en-US" sz="2400"/>
           </a:p>
         </p:txBody>
       </p:sp>
@@ -4434,9 +4516,84 @@
           </a:prstGeom>
         </p:spPr>
       </p:pic>
+      <p:sp>
+        <p:nvSpPr>
+          <p:cNvPr id="100" name="Text Box 99"/>
+          <p:cNvSpPr txBox="1"/>
+          <p:nvPr/>
+        </p:nvSpPr>
+        <p:spPr>
+          <a:xfrm>
+            <a:off x="1860550" y="353695"/>
+            <a:ext cx="10375265" cy="922020"/>
+          </a:xfrm>
+          <a:prstGeom prst="rect">
+            <a:avLst/>
+          </a:prstGeom>
+          <a:noFill/>
+          <a:ln w="9525">
+            <a:noFill/>
+          </a:ln>
+        </p:spPr>
+        <p:txBody>
+          <a:bodyPr wrap="square">
+            <a:spAutoFit/>
+          </a:bodyPr>
+          <a:p>
+            <a:pPr indent="0"/>
+            <a:r>
+              <a:rPr lang="en-US" altLang="en-US" sz="5400" b="1">
+                <a:solidFill>
+                  <a:srgbClr val="00B050"/>
+                </a:solidFill>
+                <a:latin typeface="Calibri" charset="0"/>
+                <a:cs typeface="SimSun" charset="0"/>
+              </a:rPr>
+              <a:t> </a:t>
+            </a:r>
+            <a:r>
+              <a:rPr lang="" altLang="en-US" sz="5400" b="1">
+                <a:solidFill>
+                  <a:srgbClr val="E29038"/>
+                </a:solidFill>
+                <a:latin typeface="Calibri" charset="0"/>
+                <a:cs typeface="SimSun" charset="0"/>
+              </a:rPr>
+              <a:t>How </a:t>
+            </a:r>
+            <a:r>
+              <a:rPr lang="" altLang="en-US" sz="5400" b="1">
+                <a:solidFill>
+                  <a:srgbClr val="00B050"/>
+                </a:solidFill>
+                <a:latin typeface="Calibri" charset="0"/>
+                <a:cs typeface="SimSun" charset="0"/>
+              </a:rPr>
+              <a:t>to </a:t>
+            </a:r>
+            <a:r>
+              <a:rPr lang="" altLang="en-US" sz="5400" b="1">
+                <a:solidFill>
+                  <a:srgbClr val="002060"/>
+                </a:solidFill>
+                <a:latin typeface="Calibri" charset="0"/>
+                <a:cs typeface="SimSun" charset="0"/>
+              </a:rPr>
+              <a:t>Open</a:t>
+            </a:r>
+            <a:endParaRPr lang="" altLang="en-US" sz="5400" b="1">
+              <a:solidFill>
+                <a:srgbClr val="002060"/>
+              </a:solidFill>
+              <a:latin typeface="Calibri" charset="0"/>
+              <a:cs typeface="SimSun" charset="0"/>
+            </a:endParaRPr>
+          </a:p>
+        </p:txBody>
+      </p:sp>
       <p:pic>
         <p:nvPicPr>
-          <p:cNvPr id="3" name="Picture 2"/>
+          <p:cNvPr id="7" name="Picture 6"/>
           <p:cNvPicPr>
             <a:picLocks noChangeAspect="1"/>
           </p:cNvPicPr>
@@ -4450,82 +4607,17 @@
         </p:blipFill>
         <p:spPr>
           <a:xfrm>
-            <a:off x="331470" y="381635"/>
-            <a:ext cx="1427480" cy="923925"/>
+            <a:off x="259080" y="287020"/>
+            <a:ext cx="988695" cy="988695"/>
           </a:xfrm>
           <a:prstGeom prst="rect">
             <a:avLst/>
           </a:prstGeom>
         </p:spPr>
       </p:pic>
-      <p:sp>
-        <p:nvSpPr>
-          <p:cNvPr id="100" name="Text Box 99"/>
-          <p:cNvSpPr txBox="1"/>
-          <p:nvPr/>
-        </p:nvSpPr>
-        <p:spPr>
-          <a:xfrm>
-            <a:off x="1860550" y="353695"/>
-            <a:ext cx="10375265" cy="922020"/>
-          </a:xfrm>
-          <a:prstGeom prst="rect">
-            <a:avLst/>
-          </a:prstGeom>
-          <a:noFill/>
-          <a:ln w="9525">
-            <a:noFill/>
-          </a:ln>
-        </p:spPr>
-        <p:txBody>
-          <a:bodyPr wrap="square">
-            <a:spAutoFit/>
-          </a:bodyPr>
-          <a:p>
-            <a:pPr indent="0"/>
-            <a:r>
-              <a:rPr lang="en-US" sz="5400" b="1">
-                <a:solidFill>
-                  <a:srgbClr val="E29038"/>
-                </a:solidFill>
-                <a:latin typeface="Calibri" charset="0"/>
-                <a:cs typeface="SimSun" charset="0"/>
-              </a:rPr>
-              <a:t>Arithmetic </a:t>
-            </a:r>
-            <a:r>
-              <a:rPr lang="en-US" altLang="en-US" sz="5400" b="1">
-                <a:solidFill>
-                  <a:srgbClr val="00B050"/>
-                </a:solidFill>
-                <a:latin typeface="Calibri" charset="0"/>
-                <a:cs typeface="SimSun" charset="0"/>
-              </a:rPr>
-              <a:t>Logic </a:t>
-            </a:r>
-            <a:r>
-              <a:rPr lang="" altLang="en-US" sz="5400" b="1">
-                <a:solidFill>
-                  <a:srgbClr val="002060"/>
-                </a:solidFill>
-                <a:latin typeface="Calibri" charset="0"/>
-                <a:cs typeface="SimSun" charset="0"/>
-              </a:rPr>
-              <a:t>Unit</a:t>
-            </a:r>
-            <a:endParaRPr lang="" altLang="en-US" sz="5400" b="1">
-              <a:solidFill>
-                <a:srgbClr val="002060"/>
-              </a:solidFill>
-              <a:latin typeface="Calibri" charset="0"/>
-              <a:cs typeface="SimSun" charset="0"/>
-            </a:endParaRPr>
-          </a:p>
-        </p:txBody>
-      </p:sp>
       <p:pic>
         <p:nvPicPr>
-          <p:cNvPr id="8" name="Picture 6" descr="IMG_256"/>
+          <p:cNvPr id="2" name="Picture 1"/>
           <p:cNvPicPr>
             <a:picLocks noChangeAspect="1"/>
           </p:cNvPicPr>
@@ -4539,54 +4631,40 @@
         </p:blipFill>
         <p:spPr>
           <a:xfrm>
-            <a:off x="331470" y="1851025"/>
-            <a:ext cx="6617970" cy="3827780"/>
+            <a:off x="6729095" y="1499235"/>
+            <a:ext cx="4822190" cy="4244975"/>
+          </a:xfrm>
+          <a:prstGeom prst="rect">
+            <a:avLst/>
+          </a:prstGeom>
+        </p:spPr>
+      </p:pic>
+      <p:sp>
+        <p:nvSpPr>
+          <p:cNvPr id="3" name="Text Box 2"/>
+          <p:cNvSpPr txBox="1"/>
+          <p:nvPr/>
+        </p:nvSpPr>
+        <p:spPr>
+          <a:xfrm>
+            <a:off x="1758950" y="2295525"/>
+            <a:ext cx="3679190" cy="2553335"/>
           </a:xfrm>
           <a:prstGeom prst="rect">
             <a:avLst/>
           </a:prstGeom>
           <a:noFill/>
-          <a:ln w="9525">
-            <a:noFill/>
-          </a:ln>
-        </p:spPr>
-      </p:pic>
-      <p:sp>
-        <p:nvSpPr>
-          <p:cNvPr id="2" name="Text Box 1"/>
-          <p:cNvSpPr txBox="1"/>
-          <p:nvPr/>
-        </p:nvSpPr>
-        <p:spPr>
-          <a:xfrm>
-            <a:off x="7689215" y="2837180"/>
-            <a:ext cx="3954780" cy="1568450"/>
-          </a:xfrm>
-          <a:prstGeom prst="rect">
-            <a:avLst/>
-          </a:prstGeom>
-          <a:noFill/>
-          <a:ln w="9525">
-            <a:noFill/>
-          </a:ln>
-        </p:spPr>
-        <p:txBody>
-          <a:bodyPr wrap="square">
+        </p:spPr>
+        <p:txBody>
+          <a:bodyPr wrap="square" rtlCol="0" anchor="t">
             <a:spAutoFit/>
           </a:bodyPr>
           <a:p>
-            <a:pPr marL="0" indent="0"/>
-            <a:r>
-              <a:rPr lang="en-US" sz="2400" b="0">
-                <a:latin typeface="Calibri" charset="0"/>
-                <a:cs typeface="SimSun" charset="0"/>
-              </a:rPr>
-              <a:t>It processes  arithmetic and logic operations that need to be done on instruction words</a:t>
-            </a:r>
-            <a:endParaRPr lang="en-US" sz="2400" b="0">
-              <a:latin typeface="Calibri" charset="0"/>
-              <a:cs typeface="SimSun" charset="0"/>
-            </a:endParaRPr>
+            <a:r>
+              <a:rPr lang="en-US" sz="3200"/>
+              <a:t>Step 1: From the desktop or from your ‘Start’ menu, open Microsoft Word.</a:t>
+            </a:r>
+            <a:endParaRPr lang="en-US" sz="3200"/>
           </a:p>
         </p:txBody>
       </p:sp>
@@ -4667,7 +4745,7 @@
       </p:pic>
       <p:pic>
         <p:nvPicPr>
-          <p:cNvPr id="3" name="Picture 2"/>
+          <p:cNvPr id="7" name="Picture 6"/>
           <p:cNvPicPr>
             <a:picLocks noChangeAspect="1"/>
           </p:cNvPicPr>
@@ -4681,101 +4759,17 @@
         </p:blipFill>
         <p:spPr>
           <a:xfrm>
-            <a:off x="331470" y="381635"/>
-            <a:ext cx="1427480" cy="923925"/>
+            <a:off x="259080" y="287020"/>
+            <a:ext cx="988695" cy="988695"/>
           </a:xfrm>
           <a:prstGeom prst="rect">
             <a:avLst/>
           </a:prstGeom>
         </p:spPr>
       </p:pic>
-      <p:sp>
-        <p:nvSpPr>
-          <p:cNvPr id="100" name="Text Box 99"/>
-          <p:cNvSpPr txBox="1"/>
-          <p:nvPr/>
-        </p:nvSpPr>
-        <p:spPr>
-          <a:xfrm>
-            <a:off x="1860550" y="381635"/>
-            <a:ext cx="10375265" cy="922020"/>
-          </a:xfrm>
-          <a:prstGeom prst="rect">
-            <a:avLst/>
-          </a:prstGeom>
-          <a:noFill/>
-          <a:ln w="9525">
-            <a:noFill/>
-          </a:ln>
-        </p:spPr>
-        <p:txBody>
-          <a:bodyPr wrap="square">
-            <a:spAutoFit/>
-          </a:bodyPr>
-          <a:p>
-            <a:pPr indent="0"/>
-            <a:r>
-              <a:rPr lang="en-US" sz="5400" b="1">
-                <a:solidFill>
-                  <a:srgbClr val="E29038"/>
-                </a:solidFill>
-                <a:latin typeface="Calibri" charset="0"/>
-                <a:cs typeface="SimSun" charset="0"/>
-              </a:rPr>
-              <a:t>Registers</a:t>
-            </a:r>
-            <a:endParaRPr lang="en-US" altLang="en-US" sz="5400" b="1">
-              <a:solidFill>
-                <a:srgbClr val="00B050"/>
-              </a:solidFill>
-              <a:latin typeface="Calibri" charset="0"/>
-              <a:cs typeface="SimSun" charset="0"/>
-            </a:endParaRPr>
-          </a:p>
-        </p:txBody>
-      </p:sp>
-      <p:sp>
-        <p:nvSpPr>
-          <p:cNvPr id="2" name="Text Box 1"/>
-          <p:cNvSpPr txBox="1"/>
-          <p:nvPr/>
-        </p:nvSpPr>
-        <p:spPr>
-          <a:xfrm>
-            <a:off x="7741285" y="2428240"/>
-            <a:ext cx="3824605" cy="1938020"/>
-          </a:xfrm>
-          <a:prstGeom prst="rect">
-            <a:avLst/>
-          </a:prstGeom>
-          <a:noFill/>
-          <a:ln w="9525">
-            <a:noFill/>
-          </a:ln>
-        </p:spPr>
-        <p:txBody>
-          <a:bodyPr wrap="square">
-            <a:spAutoFit/>
-          </a:bodyPr>
-          <a:p>
-            <a:pPr marL="0" indent="0"/>
-            <a:r>
-              <a:rPr lang="en-US" sz="2400" b="0">
-                <a:latin typeface="Calibri" charset="0"/>
-                <a:cs typeface="SimSun" charset="0"/>
-              </a:rPr>
-              <a:t>Register is a very fast computer memory, used to store data/instruction in-execution</a:t>
-            </a:r>
-            <a:endParaRPr lang="en-US" sz="2400" b="0">
-              <a:latin typeface="Calibri" charset="0"/>
-              <a:cs typeface="SimSun" charset="0"/>
-            </a:endParaRPr>
-          </a:p>
-        </p:txBody>
-      </p:sp>
       <p:pic>
         <p:nvPicPr>
-          <p:cNvPr id="7" name="Picture 6"/>
+          <p:cNvPr id="8" name="Picture 7"/>
           <p:cNvPicPr>
             <a:picLocks noChangeAspect="1"/>
           </p:cNvPicPr>
@@ -4785,12 +4779,12 @@
           <a:blip r:embed="rId5">
             <a:clrChange>
               <a:clrFrom>
-                <a:srgbClr val="FFFFFF">
+                <a:srgbClr val="F6F6F6">
                   <a:alpha val="100000"/>
                 </a:srgbClr>
               </a:clrFrom>
               <a:clrTo>
-                <a:srgbClr val="FFFFFF">
+                <a:srgbClr val="F6F6F6">
                   <a:alpha val="100000"/>
                   <a:alpha val="0"/>
                 </a:srgbClr>
@@ -4798,244 +4792,18 @@
             </a:clrChange>
             <a:lum bright="-6000"/>
           </a:blip>
-          <a:srcRect l="-2602" t="18553" r="-4274"/>
           <a:stretch>
             <a:fillRect/>
           </a:stretch>
         </p:blipFill>
         <p:spPr>
           <a:xfrm>
-            <a:off x="461010" y="1614805"/>
-            <a:ext cx="7031365" cy="4023360"/>
+            <a:off x="3000375" y="775970"/>
+            <a:ext cx="6191250" cy="5305425"/>
           </a:xfrm>
           <a:prstGeom prst="rect">
             <a:avLst/>
           </a:prstGeom>
-        </p:spPr>
-      </p:pic>
-    </p:spTree>
-  </p:cSld>
-  <p:clrMapOvr>
-    <a:masterClrMapping/>
-  </p:clrMapOvr>
-</p:sld>
-</file>
-
-<file path=ppt/slides/slide7.xml><?xml version="1.0" encoding="utf-8"?>
-<p:sld xmlns:a="http://schemas.openxmlformats.org/drawingml/2006/main" xmlns:r="http://schemas.openxmlformats.org/officeDocument/2006/relationships" xmlns:p="http://schemas.openxmlformats.org/presentationml/2006/main">
-  <p:cSld>
-    <p:bg>
-      <p:bgPr>
-        <a:blipFill rotWithShape="1">
-          <a:blip r:embed="rId1"/>
-          <a:tile tx="101600" ty="0" sx="100000" sy="100000" flip="x" algn="tr"/>
-        </a:blipFill>
-        <a:effectLst/>
-      </p:bgPr>
-    </p:bg>
-    <p:spTree>
-      <p:nvGrpSpPr>
-        <p:cNvPr id="1" name=""/>
-        <p:cNvGrpSpPr/>
-        <p:nvPr/>
-      </p:nvGrpSpPr>
-      <p:grpSpPr/>
-      <p:pic>
-        <p:nvPicPr>
-          <p:cNvPr id="5" name="Picture 4" descr="United TrusT Logo"/>
-          <p:cNvPicPr>
-            <a:picLocks noChangeAspect="1"/>
-          </p:cNvPicPr>
-          <p:nvPr/>
-        </p:nvPicPr>
-        <p:blipFill>
-          <a:blip r:embed="rId2"/>
-          <a:stretch>
-            <a:fillRect/>
-          </a:stretch>
-        </p:blipFill>
-        <p:spPr>
-          <a:xfrm>
-            <a:off x="108585" y="6128385"/>
-            <a:ext cx="1650365" cy="634365"/>
-          </a:xfrm>
-          <a:prstGeom prst="rect">
-            <a:avLst/>
-          </a:prstGeom>
-        </p:spPr>
-      </p:pic>
-      <p:pic>
-        <p:nvPicPr>
-          <p:cNvPr id="6" name="Picture 5" descr="bdedu_logo"/>
-          <p:cNvPicPr>
-            <a:picLocks noChangeAspect="1"/>
-          </p:cNvPicPr>
-          <p:nvPr/>
-        </p:nvPicPr>
-        <p:blipFill>
-          <a:blip r:embed="rId3"/>
-          <a:stretch>
-            <a:fillRect/>
-          </a:stretch>
-        </p:blipFill>
-        <p:spPr>
-          <a:xfrm>
-            <a:off x="9440545" y="6061710"/>
-            <a:ext cx="2693670" cy="701040"/>
-          </a:xfrm>
-          <a:prstGeom prst="rect">
-            <a:avLst/>
-          </a:prstGeom>
-        </p:spPr>
-      </p:pic>
-      <p:pic>
-        <p:nvPicPr>
-          <p:cNvPr id="3" name="Picture 2"/>
-          <p:cNvPicPr>
-            <a:picLocks noChangeAspect="1"/>
-          </p:cNvPicPr>
-          <p:nvPr/>
-        </p:nvPicPr>
-        <p:blipFill>
-          <a:blip r:embed="rId4"/>
-          <a:stretch>
-            <a:fillRect/>
-          </a:stretch>
-        </p:blipFill>
-        <p:spPr>
-          <a:xfrm>
-            <a:off x="331470" y="381635"/>
-            <a:ext cx="1427480" cy="923925"/>
-          </a:xfrm>
-          <a:prstGeom prst="rect">
-            <a:avLst/>
-          </a:prstGeom>
-        </p:spPr>
-      </p:pic>
-      <p:sp>
-        <p:nvSpPr>
-          <p:cNvPr id="100" name="Text Box 99"/>
-          <p:cNvSpPr txBox="1"/>
-          <p:nvPr/>
-        </p:nvSpPr>
-        <p:spPr>
-          <a:xfrm>
-            <a:off x="1860550" y="353695"/>
-            <a:ext cx="10375265" cy="922020"/>
-          </a:xfrm>
-          <a:prstGeom prst="rect">
-            <a:avLst/>
-          </a:prstGeom>
-          <a:noFill/>
-          <a:ln w="9525">
-            <a:noFill/>
-          </a:ln>
-        </p:spPr>
-        <p:txBody>
-          <a:bodyPr wrap="square">
-            <a:spAutoFit/>
-          </a:bodyPr>
-          <a:p>
-            <a:pPr indent="0"/>
-            <a:r>
-              <a:rPr lang="en-US" sz="5400" b="1">
-                <a:solidFill>
-                  <a:srgbClr val="E29038"/>
-                </a:solidFill>
-                <a:latin typeface="Calibri" charset="0"/>
-                <a:cs typeface="SimSun" charset="0"/>
-              </a:rPr>
-              <a:t>Motherboard</a:t>
-            </a:r>
-            <a:endParaRPr lang="en-US" sz="5400" b="1">
-              <a:solidFill>
-                <a:srgbClr val="E29038"/>
-              </a:solidFill>
-              <a:latin typeface="Calibri" charset="0"/>
-              <a:cs typeface="SimSun" charset="0"/>
-            </a:endParaRPr>
-          </a:p>
-        </p:txBody>
-      </p:sp>
-      <p:sp>
-        <p:nvSpPr>
-          <p:cNvPr id="2" name="Text Box 1"/>
-          <p:cNvSpPr txBox="1"/>
-          <p:nvPr/>
-        </p:nvSpPr>
-        <p:spPr>
-          <a:xfrm>
-            <a:off x="683895" y="3121025"/>
-            <a:ext cx="3824605" cy="1568450"/>
-          </a:xfrm>
-          <a:prstGeom prst="rect">
-            <a:avLst/>
-          </a:prstGeom>
-          <a:noFill/>
-          <a:ln w="9525">
-            <a:noFill/>
-          </a:ln>
-        </p:spPr>
-        <p:txBody>
-          <a:bodyPr wrap="square">
-            <a:spAutoFit/>
-          </a:bodyPr>
-          <a:p>
-            <a:pPr marL="0" indent="0"/>
-            <a:r>
-              <a:rPr lang="" altLang="en-US" sz="2400" b="0">
-                <a:latin typeface="Calibri" charset="0"/>
-                <a:cs typeface="SimSun" charset="0"/>
-              </a:rPr>
-              <a:t>It holds CPU, memory and all typess of connector for input and output devices</a:t>
-            </a:r>
-            <a:endParaRPr lang="" altLang="en-US" sz="2400" b="0">
-              <a:latin typeface="Calibri" charset="0"/>
-              <a:cs typeface="SimSun" charset="0"/>
-            </a:endParaRPr>
-          </a:p>
-        </p:txBody>
-      </p:sp>
-      <p:pic>
-        <p:nvPicPr>
-          <p:cNvPr id="12" name="Picture 5" descr="IMG_256"/>
-          <p:cNvPicPr>
-            <a:picLocks noChangeAspect="1"/>
-          </p:cNvPicPr>
-          <p:nvPr/>
-        </p:nvPicPr>
-        <p:blipFill>
-          <a:blip r:embed="rId5">
-            <a:clrChange>
-              <a:clrFrom>
-                <a:srgbClr val="FFFFFF">
-                  <a:alpha val="100000"/>
-                </a:srgbClr>
-              </a:clrFrom>
-              <a:clrTo>
-                <a:srgbClr val="FFFFFF">
-                  <a:alpha val="100000"/>
-                  <a:alpha val="0"/>
-                </a:srgbClr>
-              </a:clrTo>
-            </a:clrChange>
-          </a:blip>
-          <a:stretch>
-            <a:fillRect/>
-          </a:stretch>
-        </p:blipFill>
-        <p:spPr>
-          <a:xfrm>
-            <a:off x="4340860" y="1448435"/>
-            <a:ext cx="6892925" cy="4440555"/>
-          </a:xfrm>
-          <a:prstGeom prst="rect">
-            <a:avLst/>
-          </a:prstGeom>
-          <a:noFill/>
-          <a:ln w="9525">
-            <a:noFill/>
-          </a:ln>
         </p:spPr>
       </p:pic>
     </p:spTree>
